--- a/Stock_price _prediction.pptx
+++ b/Stock_price _prediction.pptx
@@ -1918,6 +1918,46 @@
             <a:noAutofit/>
           </a:bodyPr>
           <a:lstStyle/>
+          <a:p>
+            <a:pPr marL="342900" marR="0" lvl="0" indent="-342900">
+              <a:lnSpc>
+                <a:spcPct val="107000"/>
+              </a:lnSpc>
+              <a:spcBef>
+                <a:spcPts val="0"/>
+              </a:spcBef>
+              <a:spcAft>
+                <a:spcPts val="800"/>
+              </a:spcAft>
+              <a:buSzPts val="1000"/>
+              <a:buFont typeface="Symbol" panose="05050102010706020507" pitchFamily="18" charset="2"/>
+              <a:buChar char=""/>
+              <a:tabLst>
+                <a:tab pos="457200" algn="l"/>
+              </a:tabLst>
+            </a:pPr>
+            <a:r>
+              <a:rPr lang="en-US" sz="1100" kern="100" dirty="0">
+                <a:latin typeface="Aptos" panose="020B0004020202020204" pitchFamily="34" charset="0"/>
+                <a:ea typeface="Aptos" panose="020B0004020202020204" pitchFamily="34" charset="0"/>
+                <a:cs typeface="Times New Roman" panose="02020603050405020304" pitchFamily="18" charset="0"/>
+              </a:rPr>
+              <a:t>Trying other models like Prophet by Facebook or </a:t>
+            </a:r>
+            <a:r>
+              <a:rPr lang="en-US" sz="1100" kern="100" dirty="0" err="1">
+                <a:latin typeface="Aptos" panose="020B0004020202020204" pitchFamily="34" charset="0"/>
+                <a:ea typeface="Aptos" panose="020B0004020202020204" pitchFamily="34" charset="0"/>
+                <a:cs typeface="Times New Roman" panose="02020603050405020304" pitchFamily="18" charset="0"/>
+              </a:rPr>
+              <a:t>RandomForest</a:t>
+            </a:r>
+            <a:endParaRPr lang="en-US" sz="1100" kern="100" dirty="0">
+              <a:latin typeface="Aptos" panose="020B0004020202020204" pitchFamily="34" charset="0"/>
+              <a:ea typeface="Aptos" panose="020B0004020202020204" pitchFamily="34" charset="0"/>
+              <a:cs typeface="Times New Roman" panose="02020603050405020304" pitchFamily="18" charset="0"/>
+            </a:endParaRPr>
+          </a:p>
           <a:p>
             <a:pPr marL="342900" marR="0" lvl="0" indent="-342900">
               <a:lnSpc>
